--- a/docs/dev.pptx
+++ b/docs/dev.pptx
@@ -3675,14 +3675,50 @@
               <a:rPr lang="en-ID" dirty="0">
                 <a:hlinkClick r:id="rId2"/>
               </a:rPr>
-              <a:t>https://docs.taiga.io/api</a:t>
-            </a:r>
+              <a:t>https://docs.taiga.io/api.html</a:t>
+            </a:r>
+            <a:endParaRPr lang="en-ID" dirty="0"/>
+          </a:p>
+          <a:p>
+            <a:r>
+              <a:rPr lang="en-ID" dirty="0">
+                <a:hlinkClick r:id="rId3"/>
+              </a:rPr>
+              <a:t>https://docs.taiga.io/api.html#projects-list</a:t>
+            </a:r>
+            <a:r>
+              <a:rPr lang="en-ID" dirty="0"/>
+              <a:t> </a:t>
+            </a:r>
+          </a:p>
+          <a:p>
+            <a:r>
+              <a:rPr lang="en-ID" dirty="0">
+                <a:hlinkClick r:id="rId4"/>
+              </a:rPr>
+              <a:t>https://docs.taiga.io/api.html#tasks-list</a:t>
+            </a:r>
+            <a:r>
+              <a:rPr lang="en-ID" dirty="0"/>
+              <a:t> </a:t>
+            </a:r>
+          </a:p>
+          <a:p>
             <a:r>
               <a:rPr lang="en-ID">
-                <a:hlinkClick r:id="rId2"/>
+                <a:hlinkClick r:id="rId5"/>
               </a:rPr>
-              <a:t>.html</a:t>
-            </a:r>
+              <a:t>https://docs.taiga.io/api.html#issues-list</a:t>
+            </a:r>
+            <a:r>
+              <a:rPr lang="en-ID"/>
+              <a:t> </a:t>
+            </a:r>
+          </a:p>
+          <a:p>
+            <a:endParaRPr lang="en-ID" dirty="0"/>
+          </a:p>
+          <a:p>
             <a:endParaRPr lang="en-ID" dirty="0"/>
           </a:p>
         </p:txBody>
